--- a/presentation.pdf.pptx
+++ b/presentation.pdf.pptx
@@ -4402,16 +4402,7 @@
                 <a:ea typeface="Calibri" panose="020F0502020204030204" pitchFamily="34" charset="0"/>
                 <a:cs typeface="Times New Roman" panose="02020603050405020304" pitchFamily="18" charset="0"/>
               </a:rPr>
-              <a:t>Choose aircraft with a record of mechanical </a:t>
-            </a:r>
-            <a:r>
-              <a:rPr lang="en-US" kern="100">
-                <a:effectLst/>
-                <a:latin typeface="Calibri" panose="020F0502020204030204" pitchFamily="34" charset="0"/>
-                <a:ea typeface="Calibri" panose="020F0502020204030204" pitchFamily="34" charset="0"/>
-                <a:cs typeface="Times New Roman" panose="02020603050405020304" pitchFamily="18" charset="0"/>
-              </a:rPr>
-              <a:t>reliability.</a:t>
+              <a:t>Choose aircraft with a record of mechanical reliability.</a:t>
             </a:r>
           </a:p>
           <a:p>
@@ -4427,22 +4418,13 @@
               </a:tabLst>
             </a:pPr>
             <a:r>
-              <a:rPr lang="en-US" kern="100">
-                <a:effectLst/>
-                <a:latin typeface="Calibri" panose="020F0502020204030204" pitchFamily="34" charset="0"/>
-                <a:ea typeface="Calibri" panose="020F0502020204030204" pitchFamily="34" charset="0"/>
-                <a:cs typeface="Times New Roman" panose="02020603050405020304" pitchFamily="18" charset="0"/>
-              </a:rPr>
-              <a:t>Implement </a:t>
-            </a:r>
-            <a:r>
               <a:rPr lang="en-US" kern="100" dirty="0">
                 <a:effectLst/>
                 <a:latin typeface="Calibri" panose="020F0502020204030204" pitchFamily="34" charset="0"/>
                 <a:ea typeface="Calibri" panose="020F0502020204030204" pitchFamily="34" charset="0"/>
                 <a:cs typeface="Times New Roman" panose="02020603050405020304" pitchFamily="18" charset="0"/>
               </a:rPr>
-              <a:t>strict weather-related flight operation protocols.</a:t>
+              <a:t>Implement strict weather-related flight operation protocols.</a:t>
             </a:r>
           </a:p>
           <a:p>

--- a/presentation.pdf.pptx
+++ b/presentation.pdf.pptx
@@ -11,9 +11,12 @@
     <p:sldId id="260" r:id="rId5"/>
     <p:sldId id="265" r:id="rId6"/>
     <p:sldId id="261" r:id="rId7"/>
-    <p:sldId id="262" r:id="rId8"/>
-    <p:sldId id="263" r:id="rId9"/>
-    <p:sldId id="264" r:id="rId10"/>
+    <p:sldId id="267" r:id="rId8"/>
+    <p:sldId id="262" r:id="rId9"/>
+    <p:sldId id="269" r:id="rId10"/>
+    <p:sldId id="268" r:id="rId11"/>
+    <p:sldId id="263" r:id="rId12"/>
+    <p:sldId id="264" r:id="rId13"/>
   </p:sldIdLst>
   <p:sldSz cx="12192000" cy="6858000"/>
   <p:notesSz cx="6858000" cy="9144000"/>
@@ -267,7 +270,7 @@
           <a:p>
             <a:fld id="{F0F4B41D-D98D-4F97-B770-4B0DA958EE94}" type="datetimeFigureOut">
               <a:rPr lang="en-US" smtClean="0"/>
-              <a:t>4/28/2025</a:t>
+              <a:t>4/29/2025</a:t>
             </a:fld>
             <a:endParaRPr lang="en-US"/>
           </a:p>
@@ -465,7 +468,7 @@
           <a:p>
             <a:fld id="{F0F4B41D-D98D-4F97-B770-4B0DA958EE94}" type="datetimeFigureOut">
               <a:rPr lang="en-US" smtClean="0"/>
-              <a:t>4/28/2025</a:t>
+              <a:t>4/29/2025</a:t>
             </a:fld>
             <a:endParaRPr lang="en-US"/>
           </a:p>
@@ -673,7 +676,7 @@
           <a:p>
             <a:fld id="{F0F4B41D-D98D-4F97-B770-4B0DA958EE94}" type="datetimeFigureOut">
               <a:rPr lang="en-US" smtClean="0"/>
-              <a:t>4/28/2025</a:t>
+              <a:t>4/29/2025</a:t>
             </a:fld>
             <a:endParaRPr lang="en-US"/>
           </a:p>
@@ -871,7 +874,7 @@
           <a:p>
             <a:fld id="{F0F4B41D-D98D-4F97-B770-4B0DA958EE94}" type="datetimeFigureOut">
               <a:rPr lang="en-US" smtClean="0"/>
-              <a:t>4/28/2025</a:t>
+              <a:t>4/29/2025</a:t>
             </a:fld>
             <a:endParaRPr lang="en-US"/>
           </a:p>
@@ -1146,7 +1149,7 @@
           <a:p>
             <a:fld id="{F0F4B41D-D98D-4F97-B770-4B0DA958EE94}" type="datetimeFigureOut">
               <a:rPr lang="en-US" smtClean="0"/>
-              <a:t>4/28/2025</a:t>
+              <a:t>4/29/2025</a:t>
             </a:fld>
             <a:endParaRPr lang="en-US"/>
           </a:p>
@@ -1411,7 +1414,7 @@
           <a:p>
             <a:fld id="{F0F4B41D-D98D-4F97-B770-4B0DA958EE94}" type="datetimeFigureOut">
               <a:rPr lang="en-US" smtClean="0"/>
-              <a:t>4/28/2025</a:t>
+              <a:t>4/29/2025</a:t>
             </a:fld>
             <a:endParaRPr lang="en-US"/>
           </a:p>
@@ -1823,7 +1826,7 @@
           <a:p>
             <a:fld id="{F0F4B41D-D98D-4F97-B770-4B0DA958EE94}" type="datetimeFigureOut">
               <a:rPr lang="en-US" smtClean="0"/>
-              <a:t>4/28/2025</a:t>
+              <a:t>4/29/2025</a:t>
             </a:fld>
             <a:endParaRPr lang="en-US"/>
           </a:p>
@@ -1964,7 +1967,7 @@
           <a:p>
             <a:fld id="{F0F4B41D-D98D-4F97-B770-4B0DA958EE94}" type="datetimeFigureOut">
               <a:rPr lang="en-US" smtClean="0"/>
-              <a:t>4/28/2025</a:t>
+              <a:t>4/29/2025</a:t>
             </a:fld>
             <a:endParaRPr lang="en-US"/>
           </a:p>
@@ -2077,7 +2080,7 @@
           <a:p>
             <a:fld id="{F0F4B41D-D98D-4F97-B770-4B0DA958EE94}" type="datetimeFigureOut">
               <a:rPr lang="en-US" smtClean="0"/>
-              <a:t>4/28/2025</a:t>
+              <a:t>4/29/2025</a:t>
             </a:fld>
             <a:endParaRPr lang="en-US"/>
           </a:p>
@@ -2388,7 +2391,7 @@
           <a:p>
             <a:fld id="{F0F4B41D-D98D-4F97-B770-4B0DA958EE94}" type="datetimeFigureOut">
               <a:rPr lang="en-US" smtClean="0"/>
-              <a:t>4/28/2025</a:t>
+              <a:t>4/29/2025</a:t>
             </a:fld>
             <a:endParaRPr lang="en-US"/>
           </a:p>
@@ -2676,7 +2679,7 @@
           <a:p>
             <a:fld id="{F0F4B41D-D98D-4F97-B770-4B0DA958EE94}" type="datetimeFigureOut">
               <a:rPr lang="en-US" smtClean="0"/>
-              <a:t>4/28/2025</a:t>
+              <a:t>4/29/2025</a:t>
             </a:fld>
             <a:endParaRPr lang="en-US"/>
           </a:p>
@@ -2917,7 +2920,7 @@
           <a:p>
             <a:fld id="{F0F4B41D-D98D-4F97-B770-4B0DA958EE94}" type="datetimeFigureOut">
               <a:rPr lang="en-US" smtClean="0"/>
-              <a:t>4/28/2025</a:t>
+              <a:t>4/29/2025</a:t>
             </a:fld>
             <a:endParaRPr lang="en-US"/>
           </a:p>
@@ -3383,20 +3386,35 @@
         <p:spPr/>
         <p:txBody>
           <a:bodyPr>
-            <a:normAutofit/>
+            <a:normAutofit fontScale="55000" lnSpcReduction="20000"/>
           </a:bodyPr>
           <a:lstStyle/>
           <a:p>
             <a:r>
-              <a:rPr lang="en-US" sz="4800" dirty="0"/>
+              <a:rPr lang="en-US" sz="3200" dirty="0"/>
               <a:t>By: Kabira Timothy</a:t>
             </a:r>
           </a:p>
           <a:p>
             <a:r>
-              <a:rPr lang="en-US" sz="4800" dirty="0"/>
+              <a:rPr lang="en-US" sz="3200" dirty="0"/>
               <a:t>Date: April 2025</a:t>
             </a:r>
+          </a:p>
+          <a:p>
+            <a:r>
+              <a:rPr lang="en-US" sz="3200" dirty="0"/>
+              <a:t>LinkedIn Profile:</a:t>
+            </a:r>
+          </a:p>
+          <a:p>
+            <a:r>
+              <a:rPr lang="en-US" sz="3200" dirty="0"/>
+              <a:t>https://www.linkedin.com/in/timothy-kabira-aa2430219?utm_source=share&amp;utm_campaign=share_via&amp;utm_content=profile&amp;utm_medium=android_app</a:t>
+            </a:r>
+          </a:p>
+          <a:p>
+            <a:endParaRPr lang="en-US" sz="4800" dirty="0"/>
           </a:p>
         </p:txBody>
       </p:sp>
@@ -3404,6 +3422,419 @@
     <p:extLst>
       <p:ext uri="{BB962C8B-B14F-4D97-AF65-F5344CB8AC3E}">
         <p14:creationId xmlns:p14="http://schemas.microsoft.com/office/powerpoint/2010/main" val="1479368001"/>
+      </p:ext>
+    </p:extLst>
+  </p:cSld>
+  <p:clrMapOvr>
+    <a:masterClrMapping/>
+  </p:clrMapOvr>
+</p:sld>
+</file>
+
+<file path=ppt/slides/slide10.xml><?xml version="1.0" encoding="utf-8"?>
+<p:sld xmlns:a="http://schemas.openxmlformats.org/drawingml/2006/main" xmlns:r="http://schemas.openxmlformats.org/officeDocument/2006/relationships" xmlns:p="http://schemas.openxmlformats.org/presentationml/2006/main">
+  <p:cSld>
+    <p:spTree>
+      <p:nvGrpSpPr>
+        <p:cNvPr id="1" name=""/>
+        <p:cNvGrpSpPr/>
+        <p:nvPr/>
+      </p:nvGrpSpPr>
+      <p:grpSpPr>
+        <a:xfrm>
+          <a:off x="0" y="0"/>
+          <a:ext cx="0" cy="0"/>
+          <a:chOff x="0" y="0"/>
+          <a:chExt cx="0" cy="0"/>
+        </a:xfrm>
+      </p:grpSpPr>
+      <p:sp>
+        <p:nvSpPr>
+          <p:cNvPr id="2" name="Title 1">
+            <a:extLst>
+              <a:ext uri="{FF2B5EF4-FFF2-40B4-BE49-F238E27FC236}">
+                <a16:creationId xmlns:a16="http://schemas.microsoft.com/office/drawing/2014/main" id="{7D81327A-DCF4-BE1A-1D0A-4B0B077CDE5C}"/>
+              </a:ext>
+            </a:extLst>
+          </p:cNvPr>
+          <p:cNvSpPr>
+            <a:spLocks noGrp="1"/>
+          </p:cNvSpPr>
+          <p:nvPr>
+            <p:ph type="title"/>
+          </p:nvPr>
+        </p:nvSpPr>
+        <p:spPr/>
+        <p:txBody>
+          <a:bodyPr>
+            <a:normAutofit fontScale="90000"/>
+          </a:bodyPr>
+          <a:lstStyle/>
+          <a:p>
+            <a:r>
+              <a:rPr lang="en-US" sz="3600" b="0" dirty="0">
+                <a:solidFill>
+                  <a:srgbClr val="6A9955"/>
+                </a:solidFill>
+                <a:effectLst/>
+                <a:latin typeface="Consolas" panose="020B0609020204030204" pitchFamily="49" charset="0"/>
+              </a:rPr>
+              <a:t>Group the data by 'Phase of Flight' and count accidents</a:t>
+            </a:r>
+            <a:br>
+              <a:rPr lang="en-US" b="0" dirty="0">
+                <a:solidFill>
+                  <a:srgbClr val="CCCCCC"/>
+                </a:solidFill>
+                <a:effectLst/>
+                <a:latin typeface="Consolas" panose="020B0609020204030204" pitchFamily="49" charset="0"/>
+              </a:rPr>
+            </a:br>
+            <a:endParaRPr lang="en-US" dirty="0"/>
+          </a:p>
+        </p:txBody>
+      </p:sp>
+      <p:pic>
+        <p:nvPicPr>
+          <p:cNvPr id="5" name="Content Placeholder 4">
+            <a:extLst>
+              <a:ext uri="{FF2B5EF4-FFF2-40B4-BE49-F238E27FC236}">
+                <a16:creationId xmlns:a16="http://schemas.microsoft.com/office/drawing/2014/main" id="{DF9E7AD6-A7D2-4239-6FF8-BBAC23D542CF}"/>
+              </a:ext>
+            </a:extLst>
+          </p:cNvPr>
+          <p:cNvPicPr>
+            <a:picLocks noGrp="1" noChangeAspect="1"/>
+          </p:cNvPicPr>
+          <p:nvPr>
+            <p:ph idx="1"/>
+          </p:nvPr>
+        </p:nvPicPr>
+        <p:blipFill>
+          <a:blip r:embed="rId2"/>
+          <a:stretch>
+            <a:fillRect/>
+          </a:stretch>
+        </p:blipFill>
+        <p:spPr>
+          <a:xfrm>
+            <a:off x="3592254" y="1825625"/>
+            <a:ext cx="5007492" cy="4351338"/>
+          </a:xfrm>
+        </p:spPr>
+      </p:pic>
+    </p:spTree>
+    <p:extLst>
+      <p:ext uri="{BB962C8B-B14F-4D97-AF65-F5344CB8AC3E}">
+        <p14:creationId xmlns:p14="http://schemas.microsoft.com/office/powerpoint/2010/main" val="3601053746"/>
+      </p:ext>
+    </p:extLst>
+  </p:cSld>
+  <p:clrMapOvr>
+    <a:masterClrMapping/>
+  </p:clrMapOvr>
+</p:sld>
+</file>
+
+<file path=ppt/slides/slide11.xml><?xml version="1.0" encoding="utf-8"?>
+<p:sld xmlns:a="http://schemas.openxmlformats.org/drawingml/2006/main" xmlns:r="http://schemas.openxmlformats.org/officeDocument/2006/relationships" xmlns:p="http://schemas.openxmlformats.org/presentationml/2006/main">
+  <p:cSld>
+    <p:spTree>
+      <p:nvGrpSpPr>
+        <p:cNvPr id="1" name=""/>
+        <p:cNvGrpSpPr/>
+        <p:nvPr/>
+      </p:nvGrpSpPr>
+      <p:grpSpPr>
+        <a:xfrm>
+          <a:off x="0" y="0"/>
+          <a:ext cx="0" cy="0"/>
+          <a:chOff x="0" y="0"/>
+          <a:chExt cx="0" cy="0"/>
+        </a:xfrm>
+      </p:grpSpPr>
+      <p:sp>
+        <p:nvSpPr>
+          <p:cNvPr id="2" name="Title 1">
+            <a:extLst>
+              <a:ext uri="{FF2B5EF4-FFF2-40B4-BE49-F238E27FC236}">
+                <a16:creationId xmlns:a16="http://schemas.microsoft.com/office/drawing/2014/main" id="{9D68A272-7DEC-22DD-EA43-A529E32ABEFB}"/>
+              </a:ext>
+            </a:extLst>
+          </p:cNvPr>
+          <p:cNvSpPr>
+            <a:spLocks noGrp="1"/>
+          </p:cNvSpPr>
+          <p:nvPr>
+            <p:ph type="title"/>
+          </p:nvPr>
+        </p:nvSpPr>
+        <p:spPr/>
+        <p:txBody>
+          <a:bodyPr/>
+          <a:lstStyle/>
+          <a:p>
+            <a:r>
+              <a:rPr lang="en-US" dirty="0"/>
+              <a:t>Recommendations</a:t>
+            </a:r>
+          </a:p>
+        </p:txBody>
+      </p:sp>
+      <p:sp>
+        <p:nvSpPr>
+          <p:cNvPr id="3" name="Content Placeholder 2">
+            <a:extLst>
+              <a:ext uri="{FF2B5EF4-FFF2-40B4-BE49-F238E27FC236}">
+                <a16:creationId xmlns:a16="http://schemas.microsoft.com/office/drawing/2014/main" id="{EAF5FF14-42C8-C01A-CE8D-DF7DF33908FF}"/>
+              </a:ext>
+            </a:extLst>
+          </p:cNvPr>
+          <p:cNvSpPr>
+            <a:spLocks noGrp="1"/>
+          </p:cNvSpPr>
+          <p:nvPr>
+            <p:ph idx="1"/>
+          </p:nvPr>
+        </p:nvSpPr>
+        <p:spPr/>
+        <p:txBody>
+          <a:bodyPr/>
+          <a:lstStyle/>
+          <a:p>
+            <a:pPr marL="0" marR="0">
+              <a:lnSpc>
+                <a:spcPct val="115000"/>
+              </a:lnSpc>
+              <a:spcAft>
+                <a:spcPts val="800"/>
+              </a:spcAft>
+              <a:buNone/>
+              <a:tabLst>
+                <a:tab pos="1562100" algn="l"/>
+              </a:tabLst>
+            </a:pPr>
+            <a:r>
+              <a:rPr lang="en-US" sz="1800" kern="100" dirty="0">
+                <a:effectLst/>
+                <a:latin typeface="Calibri" panose="020F0502020204030204" pitchFamily="34" charset="0"/>
+                <a:ea typeface="Calibri" panose="020F0502020204030204" pitchFamily="34" charset="0"/>
+                <a:cs typeface="Times New Roman" panose="02020603050405020304" pitchFamily="18" charset="0"/>
+              </a:rPr>
+              <a:t> </a:t>
+            </a:r>
+            <a:r>
+              <a:rPr lang="en-US" kern="100" dirty="0">
+                <a:effectLst/>
+                <a:latin typeface="Calibri" panose="020F0502020204030204" pitchFamily="34" charset="0"/>
+                <a:ea typeface="Calibri" panose="020F0502020204030204" pitchFamily="34" charset="0"/>
+                <a:cs typeface="Times New Roman" panose="02020603050405020304" pitchFamily="18" charset="0"/>
+              </a:rPr>
+              <a:t>Aircraft Type Selection:</a:t>
+            </a:r>
+          </a:p>
+          <a:p>
+            <a:pPr indent="-457200">
+              <a:lnSpc>
+                <a:spcPct val="115000"/>
+              </a:lnSpc>
+              <a:spcAft>
+                <a:spcPts val="800"/>
+              </a:spcAft>
+              <a:tabLst>
+                <a:tab pos="1562100" algn="l"/>
+              </a:tabLst>
+            </a:pPr>
+            <a:r>
+              <a:rPr lang="en-US" kern="100" dirty="0">
+                <a:effectLst/>
+                <a:latin typeface="Calibri" panose="020F0502020204030204" pitchFamily="34" charset="0"/>
+                <a:ea typeface="Calibri" panose="020F0502020204030204" pitchFamily="34" charset="0"/>
+                <a:cs typeface="Times New Roman" panose="02020603050405020304" pitchFamily="18" charset="0"/>
+              </a:rPr>
+              <a:t>Based on accident rates, Boeing 737, Airbus A320, and Cessna 172 show lower accident frequencies.</a:t>
+            </a:r>
+          </a:p>
+          <a:p>
+            <a:pPr indent="-457200">
+              <a:lnSpc>
+                <a:spcPct val="115000"/>
+              </a:lnSpc>
+              <a:spcAft>
+                <a:spcPts val="800"/>
+              </a:spcAft>
+              <a:tabLst>
+                <a:tab pos="1562100" algn="l"/>
+              </a:tabLst>
+            </a:pPr>
+            <a:r>
+              <a:rPr lang="en-US" kern="100" dirty="0">
+                <a:effectLst/>
+                <a:latin typeface="Calibri" panose="020F0502020204030204" pitchFamily="34" charset="0"/>
+                <a:ea typeface="Calibri" panose="020F0502020204030204" pitchFamily="34" charset="0"/>
+                <a:cs typeface="Times New Roman" panose="02020603050405020304" pitchFamily="18" charset="0"/>
+              </a:rPr>
+              <a:t>Prioritize acquisition of aircraft types with proven safety records to minimize accident risks.</a:t>
+            </a:r>
+          </a:p>
+        </p:txBody>
+      </p:sp>
+    </p:spTree>
+    <p:extLst>
+      <p:ext uri="{BB962C8B-B14F-4D97-AF65-F5344CB8AC3E}">
+        <p14:creationId xmlns:p14="http://schemas.microsoft.com/office/powerpoint/2010/main" val="2349185465"/>
+      </p:ext>
+    </p:extLst>
+  </p:cSld>
+  <p:clrMapOvr>
+    <a:masterClrMapping/>
+  </p:clrMapOvr>
+</p:sld>
+</file>
+
+<file path=ppt/slides/slide12.xml><?xml version="1.0" encoding="utf-8"?>
+<p:sld xmlns:a="http://schemas.openxmlformats.org/drawingml/2006/main" xmlns:r="http://schemas.openxmlformats.org/officeDocument/2006/relationships" xmlns:p="http://schemas.openxmlformats.org/presentationml/2006/main">
+  <p:cSld>
+    <p:spTree>
+      <p:nvGrpSpPr>
+        <p:cNvPr id="1" name=""/>
+        <p:cNvGrpSpPr/>
+        <p:nvPr/>
+      </p:nvGrpSpPr>
+      <p:grpSpPr>
+        <a:xfrm>
+          <a:off x="0" y="0"/>
+          <a:ext cx="0" cy="0"/>
+          <a:chOff x="0" y="0"/>
+          <a:chExt cx="0" cy="0"/>
+        </a:xfrm>
+      </p:grpSpPr>
+      <p:sp>
+        <p:nvSpPr>
+          <p:cNvPr id="2" name="Title 1">
+            <a:extLst>
+              <a:ext uri="{FF2B5EF4-FFF2-40B4-BE49-F238E27FC236}">
+                <a16:creationId xmlns:a16="http://schemas.microsoft.com/office/drawing/2014/main" id="{0C09FE99-D095-FCDE-ED81-5D47CC21EAD1}"/>
+              </a:ext>
+            </a:extLst>
+          </p:cNvPr>
+          <p:cNvSpPr>
+            <a:spLocks noGrp="1"/>
+          </p:cNvSpPr>
+          <p:nvPr>
+            <p:ph type="title"/>
+          </p:nvPr>
+        </p:nvSpPr>
+        <p:spPr/>
+        <p:txBody>
+          <a:bodyPr/>
+          <a:lstStyle/>
+          <a:p>
+            <a:r>
+              <a:rPr lang="en-US" dirty="0"/>
+              <a:t>Recommendations</a:t>
+            </a:r>
+          </a:p>
+        </p:txBody>
+      </p:sp>
+      <p:sp>
+        <p:nvSpPr>
+          <p:cNvPr id="3" name="Content Placeholder 2">
+            <a:extLst>
+              <a:ext uri="{FF2B5EF4-FFF2-40B4-BE49-F238E27FC236}">
+                <a16:creationId xmlns:a16="http://schemas.microsoft.com/office/drawing/2014/main" id="{D17CC728-8EBA-0713-E347-B3861040EA83}"/>
+              </a:ext>
+            </a:extLst>
+          </p:cNvPr>
+          <p:cNvSpPr>
+            <a:spLocks noGrp="1"/>
+          </p:cNvSpPr>
+          <p:nvPr>
+            <p:ph idx="1"/>
+          </p:nvPr>
+        </p:nvSpPr>
+        <p:spPr/>
+        <p:txBody>
+          <a:bodyPr/>
+          <a:lstStyle/>
+          <a:p>
+            <a:pPr indent="-457200">
+              <a:lnSpc>
+                <a:spcPct val="115000"/>
+              </a:lnSpc>
+              <a:spcAft>
+                <a:spcPts val="800"/>
+              </a:spcAft>
+              <a:tabLst>
+                <a:tab pos="1562100" algn="l"/>
+              </a:tabLst>
+            </a:pPr>
+            <a:r>
+              <a:rPr lang="en-US" kern="100" dirty="0">
+                <a:effectLst/>
+                <a:latin typeface="Calibri" panose="020F0502020204030204" pitchFamily="34" charset="0"/>
+                <a:ea typeface="Calibri" panose="020F0502020204030204" pitchFamily="34" charset="0"/>
+                <a:cs typeface="Times New Roman" panose="02020603050405020304" pitchFamily="18" charset="0"/>
+              </a:rPr>
+              <a:t>Invest in advanced pilot training and weather navigation skills.</a:t>
+            </a:r>
+          </a:p>
+          <a:p>
+            <a:pPr indent="-457200">
+              <a:lnSpc>
+                <a:spcPct val="115000"/>
+              </a:lnSpc>
+              <a:spcAft>
+                <a:spcPts val="800"/>
+              </a:spcAft>
+              <a:tabLst>
+                <a:tab pos="1562100" algn="l"/>
+              </a:tabLst>
+            </a:pPr>
+            <a:r>
+              <a:rPr lang="en-US" kern="100" dirty="0">
+                <a:effectLst/>
+                <a:latin typeface="Calibri" panose="020F0502020204030204" pitchFamily="34" charset="0"/>
+                <a:ea typeface="Calibri" panose="020F0502020204030204" pitchFamily="34" charset="0"/>
+                <a:cs typeface="Times New Roman" panose="02020603050405020304" pitchFamily="18" charset="0"/>
+              </a:rPr>
+              <a:t>Choose aircraft with a record of mechanical reliability.</a:t>
+            </a:r>
+          </a:p>
+          <a:p>
+            <a:pPr indent="-457200">
+              <a:lnSpc>
+                <a:spcPct val="115000"/>
+              </a:lnSpc>
+              <a:spcAft>
+                <a:spcPts val="800"/>
+              </a:spcAft>
+              <a:tabLst>
+                <a:tab pos="1562100" algn="l"/>
+              </a:tabLst>
+            </a:pPr>
+            <a:r>
+              <a:rPr lang="en-US" kern="100" dirty="0">
+                <a:effectLst/>
+                <a:latin typeface="Calibri" panose="020F0502020204030204" pitchFamily="34" charset="0"/>
+                <a:ea typeface="Calibri" panose="020F0502020204030204" pitchFamily="34" charset="0"/>
+                <a:cs typeface="Times New Roman" panose="02020603050405020304" pitchFamily="18" charset="0"/>
+              </a:rPr>
+              <a:t>Implement strict weather-related flight operation protocols.</a:t>
+            </a:r>
+          </a:p>
+          <a:p>
+            <a:pPr marL="0" indent="0">
+              <a:buNone/>
+            </a:pPr>
+            <a:endParaRPr lang="en-US" dirty="0"/>
+          </a:p>
+        </p:txBody>
+      </p:sp>
+    </p:spTree>
+    <p:extLst>
+      <p:ext uri="{BB962C8B-B14F-4D97-AF65-F5344CB8AC3E}">
+        <p14:creationId xmlns:p14="http://schemas.microsoft.com/office/powerpoint/2010/main" val="224203209"/>
       </p:ext>
     </p:extLst>
   </p:cSld>
@@ -4052,7 +4483,7 @@
           <p:cNvPr id="2" name="Title 1">
             <a:extLst>
               <a:ext uri="{FF2B5EF4-FFF2-40B4-BE49-F238E27FC236}">
-                <a16:creationId xmlns:a16="http://schemas.microsoft.com/office/drawing/2014/main" id="{8F9D35FA-1DDA-EC19-0E41-A09ED8354859}"/>
+                <a16:creationId xmlns:a16="http://schemas.microsoft.com/office/drawing/2014/main" id="{5A661177-8BAF-0E6C-9F16-563C846C0F20}"/>
               </a:ext>
             </a:extLst>
           </p:cNvPr>
@@ -4065,72 +4496,77 @@
         </p:nvSpPr>
         <p:spPr/>
         <p:txBody>
-          <a:bodyPr/>
-          <a:lstStyle/>
-          <a:p>
-            <a:r>
-              <a:rPr lang="en-US" dirty="0"/>
-              <a:t>Data Analysis</a:t>
-            </a:r>
-          </a:p>
-        </p:txBody>
-      </p:sp>
-      <p:sp>
-        <p:nvSpPr>
-          <p:cNvPr id="3" name="Content Placeholder 2">
-            <a:extLst>
-              <a:ext uri="{FF2B5EF4-FFF2-40B4-BE49-F238E27FC236}">
-                <a16:creationId xmlns:a16="http://schemas.microsoft.com/office/drawing/2014/main" id="{457FF96E-EF1B-1CD5-08CC-F506D8C947C0}"/>
-              </a:ext>
-            </a:extLst>
-          </p:cNvPr>
-          <p:cNvSpPr>
-            <a:spLocks noGrp="1"/>
-          </p:cNvSpPr>
+          <a:bodyPr>
+            <a:normAutofit/>
+          </a:bodyPr>
+          <a:lstStyle/>
+          <a:p>
+            <a:r>
+              <a:rPr lang="en-US" b="0" dirty="0">
+                <a:solidFill>
+                  <a:srgbClr val="6A9955"/>
+                </a:solidFill>
+                <a:effectLst/>
+                <a:latin typeface="Consolas" panose="020B0609020204030204" pitchFamily="49" charset="0"/>
+              </a:rPr>
+              <a:t> </a:t>
+            </a:r>
+            <a:r>
+              <a:rPr lang="en-US" sz="3100" b="0" dirty="0">
+                <a:solidFill>
+                  <a:srgbClr val="6A9955"/>
+                </a:solidFill>
+                <a:effectLst/>
+                <a:latin typeface="Consolas" panose="020B0609020204030204" pitchFamily="49" charset="0"/>
+              </a:rPr>
+              <a:t>Number of accidents per aircraft make</a:t>
+            </a:r>
+            <a:br>
+              <a:rPr lang="en-US" b="0" dirty="0">
+                <a:solidFill>
+                  <a:srgbClr val="CCCCCC"/>
+                </a:solidFill>
+                <a:effectLst/>
+                <a:latin typeface="Consolas" panose="020B0609020204030204" pitchFamily="49" charset="0"/>
+              </a:rPr>
+            </a:br>
+            <a:endParaRPr lang="en-US" dirty="0"/>
+          </a:p>
+        </p:txBody>
+      </p:sp>
+      <p:pic>
+        <p:nvPicPr>
+          <p:cNvPr id="5" name="Content Placeholder 4">
+            <a:extLst>
+              <a:ext uri="{FF2B5EF4-FFF2-40B4-BE49-F238E27FC236}">
+                <a16:creationId xmlns:a16="http://schemas.microsoft.com/office/drawing/2014/main" id="{DA8DF97C-DD20-586F-ED3E-18E1420C84D2}"/>
+              </a:ext>
+            </a:extLst>
+          </p:cNvPr>
+          <p:cNvPicPr>
+            <a:picLocks noGrp="1" noChangeAspect="1"/>
+          </p:cNvPicPr>
           <p:nvPr>
             <p:ph idx="1"/>
           </p:nvPr>
-        </p:nvSpPr>
-        <p:spPr/>
-        <p:txBody>
-          <a:bodyPr/>
-          <a:lstStyle/>
-          <a:p>
-            <a:pPr marL="0" indent="0">
-              <a:buNone/>
-            </a:pPr>
-            <a:r>
-              <a:rPr lang="en-US" dirty="0"/>
-              <a:t>Number of accidents under different weather conditions:</a:t>
-            </a:r>
-          </a:p>
-          <a:p>
-            <a:r>
-              <a:rPr lang="en-US" dirty="0"/>
-              <a:t>Visual meteorological weather conditions had the highest number of accidents followed by instruments meteorological conditions(poor visibility, bad weather)</a:t>
-            </a:r>
-          </a:p>
-          <a:p>
-            <a:pPr marL="0" indent="0">
-              <a:buNone/>
-            </a:pPr>
-            <a:r>
-              <a:rPr lang="en-US" dirty="0"/>
-              <a:t>Number of accidents per phase of flight</a:t>
-            </a:r>
-          </a:p>
-          <a:p>
-            <a:r>
-              <a:rPr lang="en-US" dirty="0"/>
-              <a:t>A significant number of accidents takes place during take off phase of flight.</a:t>
-            </a:r>
-          </a:p>
-        </p:txBody>
-      </p:sp>
+        </p:nvPicPr>
+        <p:blipFill>
+          <a:blip r:embed="rId2"/>
+          <a:stretch>
+            <a:fillRect/>
+          </a:stretch>
+        </p:blipFill>
+        <p:spPr>
+          <a:xfrm>
+            <a:off x="2330853" y="1825625"/>
+            <a:ext cx="7530294" cy="4351338"/>
+          </a:xfrm>
+        </p:spPr>
+      </p:pic>
     </p:spTree>
     <p:extLst>
       <p:ext uri="{BB962C8B-B14F-4D97-AF65-F5344CB8AC3E}">
-        <p14:creationId xmlns:p14="http://schemas.microsoft.com/office/powerpoint/2010/main" val="3307812816"/>
+        <p14:creationId xmlns:p14="http://schemas.microsoft.com/office/powerpoint/2010/main" val="767563567"/>
       </p:ext>
     </p:extLst>
   </p:cSld>
@@ -4162,7 +4598,7 @@
           <p:cNvPr id="2" name="Title 1">
             <a:extLst>
               <a:ext uri="{FF2B5EF4-FFF2-40B4-BE49-F238E27FC236}">
-                <a16:creationId xmlns:a16="http://schemas.microsoft.com/office/drawing/2014/main" id="{9D68A272-7DEC-22DD-EA43-A529E32ABEFB}"/>
+                <a16:creationId xmlns:a16="http://schemas.microsoft.com/office/drawing/2014/main" id="{8F9D35FA-1DDA-EC19-0E41-A09ED8354859}"/>
               </a:ext>
             </a:extLst>
           </p:cNvPr>
@@ -4173,14 +4609,19 @@
             <p:ph type="title"/>
           </p:nvPr>
         </p:nvSpPr>
-        <p:spPr/>
+        <p:spPr>
+          <a:xfrm>
+            <a:off x="1030111" y="105480"/>
+            <a:ext cx="10515600" cy="1325563"/>
+          </a:xfrm>
+        </p:spPr>
         <p:txBody>
           <a:bodyPr/>
           <a:lstStyle/>
           <a:p>
             <a:r>
               <a:rPr lang="en-US" dirty="0"/>
-              <a:t>Recommendations</a:t>
+              <a:t>Data Analysis</a:t>
             </a:r>
           </a:p>
         </p:txBody>
@@ -4190,7 +4631,7 @@
           <p:cNvPr id="3" name="Content Placeholder 2">
             <a:extLst>
               <a:ext uri="{FF2B5EF4-FFF2-40B4-BE49-F238E27FC236}">
-                <a16:creationId xmlns:a16="http://schemas.microsoft.com/office/drawing/2014/main" id="{EAF5FF14-42C8-C01A-CE8D-DF7DF33908FF}"/>
+                <a16:creationId xmlns:a16="http://schemas.microsoft.com/office/drawing/2014/main" id="{457FF96E-EF1B-1CD5-08CC-F506D8C947C0}"/>
               </a:ext>
             </a:extLst>
           </p:cNvPr>
@@ -4206,79 +4647,33 @@
           <a:bodyPr/>
           <a:lstStyle/>
           <a:p>
-            <a:pPr marL="0" marR="0">
-              <a:lnSpc>
-                <a:spcPct val="115000"/>
-              </a:lnSpc>
-              <a:spcAft>
-                <a:spcPts val="800"/>
-              </a:spcAft>
-              <a:buNone/>
-              <a:tabLst>
-                <a:tab pos="1562100" algn="l"/>
-              </a:tabLst>
+            <a:pPr marL="0" indent="0">
+              <a:buNone/>
             </a:pPr>
             <a:r>
-              <a:rPr lang="en-US" sz="1800" kern="100" dirty="0">
-                <a:effectLst/>
-                <a:latin typeface="Calibri" panose="020F0502020204030204" pitchFamily="34" charset="0"/>
-                <a:ea typeface="Calibri" panose="020F0502020204030204" pitchFamily="34" charset="0"/>
-                <a:cs typeface="Times New Roman" panose="02020603050405020304" pitchFamily="18" charset="0"/>
-              </a:rPr>
-              <a:t> </a:t>
-            </a:r>
-            <a:r>
-              <a:rPr lang="en-US" kern="100" dirty="0">
-                <a:effectLst/>
-                <a:latin typeface="Calibri" panose="020F0502020204030204" pitchFamily="34" charset="0"/>
-                <a:ea typeface="Calibri" panose="020F0502020204030204" pitchFamily="34" charset="0"/>
-                <a:cs typeface="Times New Roman" panose="02020603050405020304" pitchFamily="18" charset="0"/>
-              </a:rPr>
-              <a:t>Aircraft Type Selection:</a:t>
-            </a:r>
-          </a:p>
-          <a:p>
-            <a:pPr indent="-457200">
-              <a:lnSpc>
-                <a:spcPct val="115000"/>
-              </a:lnSpc>
-              <a:spcAft>
-                <a:spcPts val="800"/>
-              </a:spcAft>
-              <a:tabLst>
-                <a:tab pos="1562100" algn="l"/>
-              </a:tabLst>
+              <a:rPr lang="en-US" dirty="0"/>
+              <a:t>Number of accidents under different weather conditions:</a:t>
+            </a:r>
+          </a:p>
+          <a:p>
+            <a:r>
+              <a:rPr lang="en-US" dirty="0"/>
+              <a:t>Visual meteorological weather conditions had the highest number of accidents followed by instruments meteorological conditions(poor visibility, bad weather)</a:t>
+            </a:r>
+          </a:p>
+          <a:p>
+            <a:pPr marL="0" indent="0">
+              <a:buNone/>
             </a:pPr>
             <a:r>
-              <a:rPr lang="en-US" kern="100" dirty="0">
-                <a:effectLst/>
-                <a:latin typeface="Calibri" panose="020F0502020204030204" pitchFamily="34" charset="0"/>
-                <a:ea typeface="Calibri" panose="020F0502020204030204" pitchFamily="34" charset="0"/>
-                <a:cs typeface="Times New Roman" panose="02020603050405020304" pitchFamily="18" charset="0"/>
-              </a:rPr>
-              <a:t>Based on accident rates, Boeing 737, Airbus A320, and Cessna 172 show lower accident frequencies.</a:t>
-            </a:r>
-          </a:p>
-          <a:p>
-            <a:pPr indent="-457200">
-              <a:lnSpc>
-                <a:spcPct val="115000"/>
-              </a:lnSpc>
-              <a:spcAft>
-                <a:spcPts val="800"/>
-              </a:spcAft>
-              <a:tabLst>
-                <a:tab pos="1562100" algn="l"/>
-              </a:tabLst>
-            </a:pPr>
-            <a:r>
-              <a:rPr lang="en-US" kern="100" dirty="0">
-                <a:effectLst/>
-                <a:latin typeface="Calibri" panose="020F0502020204030204" pitchFamily="34" charset="0"/>
-                <a:ea typeface="Calibri" panose="020F0502020204030204" pitchFamily="34" charset="0"/>
-                <a:cs typeface="Times New Roman" panose="02020603050405020304" pitchFamily="18" charset="0"/>
-              </a:rPr>
-              <a:t>Prioritize acquisition of aircraft types with proven safety records to minimize accident risks.</a:t>
+              <a:rPr lang="en-US" dirty="0"/>
+              <a:t>Number of accidents per phase of flight</a:t>
+            </a:r>
+          </a:p>
+          <a:p>
+            <a:r>
+              <a:rPr lang="en-US" dirty="0"/>
+              <a:t>A significant number of accidents takes place during take off phase of flight.</a:t>
             </a:r>
           </a:p>
         </p:txBody>
@@ -4286,7 +4681,7 @@
     </p:spTree>
     <p:extLst>
       <p:ext uri="{BB962C8B-B14F-4D97-AF65-F5344CB8AC3E}">
-        <p14:creationId xmlns:p14="http://schemas.microsoft.com/office/powerpoint/2010/main" val="2349185465"/>
+        <p14:creationId xmlns:p14="http://schemas.microsoft.com/office/powerpoint/2010/main" val="3307812816"/>
       </p:ext>
     </p:extLst>
   </p:cSld>
@@ -4318,7 +4713,7 @@
           <p:cNvPr id="2" name="Title 1">
             <a:extLst>
               <a:ext uri="{FF2B5EF4-FFF2-40B4-BE49-F238E27FC236}">
-                <a16:creationId xmlns:a16="http://schemas.microsoft.com/office/drawing/2014/main" id="{0C09FE99-D095-FCDE-ED81-5D47CC21EAD1}"/>
+                <a16:creationId xmlns:a16="http://schemas.microsoft.com/office/drawing/2014/main" id="{FD021D62-C19C-3B2B-3D69-FB635D825511}"/>
               </a:ext>
             </a:extLst>
           </p:cNvPr>
@@ -4331,114 +4726,67 @@
         </p:nvSpPr>
         <p:spPr/>
         <p:txBody>
-          <a:bodyPr/>
-          <a:lstStyle/>
-          <a:p>
-            <a:r>
-              <a:rPr lang="en-US" dirty="0"/>
-              <a:t>Recommendations</a:t>
-            </a:r>
-          </a:p>
-        </p:txBody>
-      </p:sp>
-      <p:sp>
-        <p:nvSpPr>
-          <p:cNvPr id="3" name="Content Placeholder 2">
-            <a:extLst>
-              <a:ext uri="{FF2B5EF4-FFF2-40B4-BE49-F238E27FC236}">
-                <a16:creationId xmlns:a16="http://schemas.microsoft.com/office/drawing/2014/main" id="{D17CC728-8EBA-0713-E347-B3861040EA83}"/>
-              </a:ext>
-            </a:extLst>
-          </p:cNvPr>
-          <p:cNvSpPr>
-            <a:spLocks noGrp="1"/>
-          </p:cNvSpPr>
+          <a:bodyPr>
+            <a:normAutofit fontScale="90000"/>
+          </a:bodyPr>
+          <a:lstStyle/>
+          <a:p>
+            <a:r>
+              <a:rPr lang="en-US" sz="3600" b="0" dirty="0">
+                <a:solidFill>
+                  <a:srgbClr val="6A9955"/>
+                </a:solidFill>
+                <a:effectLst/>
+                <a:latin typeface="Consolas" panose="020B0609020204030204" pitchFamily="49" charset="0"/>
+              </a:rPr>
+              <a:t>Number of accidents under different weather conditions</a:t>
+            </a:r>
+            <a:br>
+              <a:rPr lang="en-US" b="0" dirty="0">
+                <a:solidFill>
+                  <a:srgbClr val="CCCCCC"/>
+                </a:solidFill>
+                <a:effectLst/>
+                <a:latin typeface="Consolas" panose="020B0609020204030204" pitchFamily="49" charset="0"/>
+              </a:rPr>
+            </a:br>
+            <a:endParaRPr lang="en-US" dirty="0"/>
+          </a:p>
+        </p:txBody>
+      </p:sp>
+      <p:pic>
+        <p:nvPicPr>
+          <p:cNvPr id="5" name="Content Placeholder 4">
+            <a:extLst>
+              <a:ext uri="{FF2B5EF4-FFF2-40B4-BE49-F238E27FC236}">
+                <a16:creationId xmlns:a16="http://schemas.microsoft.com/office/drawing/2014/main" id="{5D99A328-E040-FB7E-8A49-797642D9519B}"/>
+              </a:ext>
+            </a:extLst>
+          </p:cNvPr>
+          <p:cNvPicPr>
+            <a:picLocks noGrp="1" noChangeAspect="1"/>
+          </p:cNvPicPr>
           <p:nvPr>
             <p:ph idx="1"/>
           </p:nvPr>
-        </p:nvSpPr>
-        <p:spPr/>
-        <p:txBody>
-          <a:bodyPr/>
-          <a:lstStyle/>
-          <a:p>
-            <a:pPr indent="-457200">
-              <a:lnSpc>
-                <a:spcPct val="115000"/>
-              </a:lnSpc>
-              <a:spcAft>
-                <a:spcPts val="800"/>
-              </a:spcAft>
-              <a:tabLst>
-                <a:tab pos="1562100" algn="l"/>
-              </a:tabLst>
-            </a:pPr>
-            <a:r>
-              <a:rPr lang="en-US" kern="100" dirty="0">
-                <a:effectLst/>
-                <a:latin typeface="Calibri" panose="020F0502020204030204" pitchFamily="34" charset="0"/>
-                <a:ea typeface="Calibri" panose="020F0502020204030204" pitchFamily="34" charset="0"/>
-                <a:cs typeface="Times New Roman" panose="02020603050405020304" pitchFamily="18" charset="0"/>
-              </a:rPr>
-              <a:t>Invest in advanced pilot training and weather navigation skills.</a:t>
-            </a:r>
-          </a:p>
-          <a:p>
-            <a:pPr indent="-457200">
-              <a:lnSpc>
-                <a:spcPct val="115000"/>
-              </a:lnSpc>
-              <a:spcAft>
-                <a:spcPts val="800"/>
-              </a:spcAft>
-              <a:tabLst>
-                <a:tab pos="1562100" algn="l"/>
-              </a:tabLst>
-            </a:pPr>
-            <a:r>
-              <a:rPr lang="en-US" kern="100" dirty="0">
-                <a:effectLst/>
-                <a:latin typeface="Calibri" panose="020F0502020204030204" pitchFamily="34" charset="0"/>
-                <a:ea typeface="Calibri" panose="020F0502020204030204" pitchFamily="34" charset="0"/>
-                <a:cs typeface="Times New Roman" panose="02020603050405020304" pitchFamily="18" charset="0"/>
-              </a:rPr>
-              <a:t>Choose aircraft with a record of mechanical reliability.</a:t>
-            </a:r>
-          </a:p>
-          <a:p>
-            <a:pPr indent="-457200">
-              <a:lnSpc>
-                <a:spcPct val="115000"/>
-              </a:lnSpc>
-              <a:spcAft>
-                <a:spcPts val="800"/>
-              </a:spcAft>
-              <a:tabLst>
-                <a:tab pos="1562100" algn="l"/>
-              </a:tabLst>
-            </a:pPr>
-            <a:r>
-              <a:rPr lang="en-US" kern="100" dirty="0">
-                <a:effectLst/>
-                <a:latin typeface="Calibri" panose="020F0502020204030204" pitchFamily="34" charset="0"/>
-                <a:ea typeface="Calibri" panose="020F0502020204030204" pitchFamily="34" charset="0"/>
-                <a:cs typeface="Times New Roman" panose="02020603050405020304" pitchFamily="18" charset="0"/>
-              </a:rPr>
-              <a:t>Implement strict weather-related flight operation protocols.</a:t>
-            </a:r>
-          </a:p>
-          <a:p>
-            <a:pPr marL="0" indent="0">
-              <a:buNone/>
-            </a:pPr>
-            <a:endParaRPr lang="en-US" dirty="0"/>
-          </a:p>
-        </p:txBody>
-      </p:sp>
+        </p:nvPicPr>
+        <p:blipFill>
+          <a:blip r:embed="rId2"/>
+          <a:stretch>
+            <a:fillRect/>
+          </a:stretch>
+        </p:blipFill>
+        <p:spPr>
+          <a:xfrm>
+            <a:off x="2984657" y="1825625"/>
+            <a:ext cx="6222685" cy="4351338"/>
+          </a:xfrm>
+        </p:spPr>
+      </p:pic>
     </p:spTree>
     <p:extLst>
       <p:ext uri="{BB962C8B-B14F-4D97-AF65-F5344CB8AC3E}">
-        <p14:creationId xmlns:p14="http://schemas.microsoft.com/office/powerpoint/2010/main" val="224203209"/>
+        <p14:creationId xmlns:p14="http://schemas.microsoft.com/office/powerpoint/2010/main" val="1578110747"/>
       </p:ext>
     </p:extLst>
   </p:cSld>

--- a/presentation.pdf.pptx
+++ b/presentation.pdf.pptx
@@ -3825,6 +3825,48 @@
           </a:p>
           <a:p>
             <a:pPr marL="0" indent="0">
+              <a:lnSpc>
+                <a:spcPct val="115000"/>
+              </a:lnSpc>
+              <a:spcAft>
+                <a:spcPts val="800"/>
+              </a:spcAft>
+              <a:buNone/>
+              <a:tabLst>
+                <a:tab pos="1562100" algn="l"/>
+              </a:tabLst>
+            </a:pPr>
+            <a:endParaRPr lang="en-US" kern="100" dirty="0">
+              <a:latin typeface="Calibri" panose="020F0502020204030204" pitchFamily="34" charset="0"/>
+              <a:ea typeface="Calibri" panose="020F0502020204030204" pitchFamily="34" charset="0"/>
+              <a:cs typeface="Times New Roman" panose="02020603050405020304" pitchFamily="18" charset="0"/>
+            </a:endParaRPr>
+          </a:p>
+          <a:p>
+            <a:pPr marL="0" indent="0">
+              <a:lnSpc>
+                <a:spcPct val="115000"/>
+              </a:lnSpc>
+              <a:spcAft>
+                <a:spcPts val="800"/>
+              </a:spcAft>
+              <a:buNone/>
+              <a:tabLst>
+                <a:tab pos="1562100" algn="l"/>
+              </a:tabLst>
+            </a:pPr>
+            <a:r>
+              <a:rPr lang="en-US" b="1" kern="100" dirty="0">
+                <a:effectLst/>
+                <a:latin typeface="Calibri" panose="020F0502020204030204" pitchFamily="34" charset="0"/>
+                <a:ea typeface="Calibri" panose="020F0502020204030204" pitchFamily="34" charset="0"/>
+                <a:cs typeface="Times New Roman" panose="02020603050405020304" pitchFamily="18" charset="0"/>
+              </a:rPr>
+              <a:t>                                              END</a:t>
+            </a:r>
+          </a:p>
+          <a:p>
+            <a:pPr marL="0" indent="0">
               <a:buNone/>
             </a:pPr>
             <a:endParaRPr lang="en-US" dirty="0"/>
